--- a/Hate Crime Analysis.pptx
+++ b/Hate Crime Analysis.pptx
@@ -112,6 +112,11 @@
       </a:defRPr>
     </a:lvl9pPr>
   </p:defaultTextStyle>
+  <p:extLst>
+    <p:ext uri="{EFAFB233-063F-42B5-8137-9DF3F51BA10A}">
+      <p15:sldGuideLst xmlns:p15="http://schemas.microsoft.com/office/powerpoint/2012/main"/>
+    </p:ext>
+  </p:extLst>
 </p:presentation>
 </file>
 
@@ -697,7 +702,7 @@
           <a:p>
             <a:fld id="{9650F955-37C9-1F4E-951F-27D1E4C80955}" type="datetimeFigureOut">
               <a:rPr lang="en-US" smtClean="0"/>
-              <a:t>11/9/21</a:t>
+              <a:t>11/10/21</a:t>
             </a:fld>
             <a:endParaRPr lang="en-US"/>
           </a:p>
@@ -972,7 +977,7 @@
           <a:p>
             <a:fld id="{9650F955-37C9-1F4E-951F-27D1E4C80955}" type="datetimeFigureOut">
               <a:rPr lang="en-US" smtClean="0"/>
-              <a:t>11/9/21</a:t>
+              <a:t>11/10/21</a:t>
             </a:fld>
             <a:endParaRPr lang="en-US"/>
           </a:p>
@@ -1166,7 +1171,7 @@
           <a:p>
             <a:fld id="{9650F955-37C9-1F4E-951F-27D1E4C80955}" type="datetimeFigureOut">
               <a:rPr lang="en-US" smtClean="0"/>
-              <a:t>11/9/21</a:t>
+              <a:t>11/10/21</a:t>
             </a:fld>
             <a:endParaRPr lang="en-US"/>
           </a:p>
@@ -1434,7 +1439,7 @@
           <a:p>
             <a:fld id="{9650F955-37C9-1F4E-951F-27D1E4C80955}" type="datetimeFigureOut">
               <a:rPr lang="en-US" smtClean="0"/>
-              <a:t>11/9/21</a:t>
+              <a:t>11/10/21</a:t>
             </a:fld>
             <a:endParaRPr lang="en-US"/>
           </a:p>
@@ -1766,7 +1771,7 @@
           <a:p>
             <a:fld id="{9650F955-37C9-1F4E-951F-27D1E4C80955}" type="datetimeFigureOut">
               <a:rPr lang="en-US" smtClean="0"/>
-              <a:t>11/9/21</a:t>
+              <a:t>11/10/21</a:t>
             </a:fld>
             <a:endParaRPr lang="en-US"/>
           </a:p>
@@ -2376,7 +2381,7 @@
           <a:p>
             <a:fld id="{9650F955-37C9-1F4E-951F-27D1E4C80955}" type="datetimeFigureOut">
               <a:rPr lang="en-US" smtClean="0"/>
-              <a:t>11/9/21</a:t>
+              <a:t>11/10/21</a:t>
             </a:fld>
             <a:endParaRPr lang="en-US"/>
           </a:p>
@@ -3223,7 +3228,7 @@
           <a:p>
             <a:fld id="{9650F955-37C9-1F4E-951F-27D1E4C80955}" type="datetimeFigureOut">
               <a:rPr lang="en-US" smtClean="0"/>
-              <a:t>11/9/21</a:t>
+              <a:t>11/10/21</a:t>
             </a:fld>
             <a:endParaRPr lang="en-US"/>
           </a:p>
@@ -3393,7 +3398,7 @@
           <a:p>
             <a:fld id="{9650F955-37C9-1F4E-951F-27D1E4C80955}" type="datetimeFigureOut">
               <a:rPr lang="en-US" smtClean="0"/>
-              <a:t>11/9/21</a:t>
+              <a:t>11/10/21</a:t>
             </a:fld>
             <a:endParaRPr lang="en-US"/>
           </a:p>
@@ -3573,7 +3578,7 @@
           <a:p>
             <a:fld id="{9650F955-37C9-1F4E-951F-27D1E4C80955}" type="datetimeFigureOut">
               <a:rPr lang="en-US" smtClean="0"/>
-              <a:t>11/9/21</a:t>
+              <a:t>11/10/21</a:t>
             </a:fld>
             <a:endParaRPr lang="en-US"/>
           </a:p>
@@ -3743,7 +3748,7 @@
           <a:p>
             <a:fld id="{9650F955-37C9-1F4E-951F-27D1E4C80955}" type="datetimeFigureOut">
               <a:rPr lang="en-US" smtClean="0"/>
-              <a:t>11/9/21</a:t>
+              <a:t>11/10/21</a:t>
             </a:fld>
             <a:endParaRPr lang="en-US"/>
           </a:p>
@@ -3987,7 +3992,7 @@
           <a:p>
             <a:fld id="{9650F955-37C9-1F4E-951F-27D1E4C80955}" type="datetimeFigureOut">
               <a:rPr lang="en-US" smtClean="0"/>
-              <a:t>11/9/21</a:t>
+              <a:t>11/10/21</a:t>
             </a:fld>
             <a:endParaRPr lang="en-US"/>
           </a:p>
@@ -4279,7 +4284,7 @@
           <a:p>
             <a:fld id="{9650F955-37C9-1F4E-951F-27D1E4C80955}" type="datetimeFigureOut">
               <a:rPr lang="en-US" smtClean="0"/>
-              <a:t>11/9/21</a:t>
+              <a:t>11/10/21</a:t>
             </a:fld>
             <a:endParaRPr lang="en-US"/>
           </a:p>
@@ -4722,7 +4727,7 @@
           <a:p>
             <a:fld id="{9650F955-37C9-1F4E-951F-27D1E4C80955}" type="datetimeFigureOut">
               <a:rPr lang="en-US" smtClean="0"/>
-              <a:t>11/9/21</a:t>
+              <a:t>11/10/21</a:t>
             </a:fld>
             <a:endParaRPr lang="en-US"/>
           </a:p>
@@ -4845,7 +4850,7 @@
           <a:p>
             <a:fld id="{9650F955-37C9-1F4E-951F-27D1E4C80955}" type="datetimeFigureOut">
               <a:rPr lang="en-US" smtClean="0"/>
-              <a:t>11/9/21</a:t>
+              <a:t>11/10/21</a:t>
             </a:fld>
             <a:endParaRPr lang="en-US"/>
           </a:p>
@@ -4940,7 +4945,7 @@
           <a:p>
             <a:fld id="{9650F955-37C9-1F4E-951F-27D1E4C80955}" type="datetimeFigureOut">
               <a:rPr lang="en-US" smtClean="0"/>
-              <a:t>11/9/21</a:t>
+              <a:t>11/10/21</a:t>
             </a:fld>
             <a:endParaRPr lang="en-US"/>
           </a:p>
@@ -5219,7 +5224,7 @@
           <a:p>
             <a:fld id="{9650F955-37C9-1F4E-951F-27D1E4C80955}" type="datetimeFigureOut">
               <a:rPr lang="en-US" smtClean="0"/>
-              <a:t>11/9/21</a:t>
+              <a:t>11/10/21</a:t>
             </a:fld>
             <a:endParaRPr lang="en-US"/>
           </a:p>
@@ -5499,7 +5504,7 @@
           <a:p>
             <a:fld id="{9650F955-37C9-1F4E-951F-27D1E4C80955}" type="datetimeFigureOut">
               <a:rPr lang="en-US" smtClean="0"/>
-              <a:t>11/9/21</a:t>
+              <a:t>11/10/21</a:t>
             </a:fld>
             <a:endParaRPr lang="en-US"/>
           </a:p>
@@ -5933,7 +5938,7 @@
           <a:p>
             <a:fld id="{9650F955-37C9-1F4E-951F-27D1E4C80955}" type="datetimeFigureOut">
               <a:rPr lang="en-US" smtClean="0"/>
-              <a:t>11/9/21</a:t>
+              <a:t>11/10/21</a:t>
             </a:fld>
             <a:endParaRPr lang="en-US"/>
           </a:p>
@@ -6566,13 +6571,13 @@
   <p:clrMapOvr>
     <a:masterClrMapping/>
   </p:clrMapOvr>
-  <mc:AlternateContent xmlns:mc="http://schemas.openxmlformats.org/markup-compatibility/2006">
-    <mc:Choice xmlns:p14="http://schemas.microsoft.com/office/powerpoint/2010/main" Requires="p14">
+  <mc:AlternateContent xmlns:mc="http://schemas.openxmlformats.org/markup-compatibility/2006" xmlns:p14="http://schemas.microsoft.com/office/powerpoint/2010/main">
+    <mc:Choice Requires="p14">
       <p:transition spd="slow" p14:dur="1250">
         <p14:flip dir="r"/>
       </p:transition>
     </mc:Choice>
-    <mc:Fallback>
+    <mc:Fallback xmlns="">
       <p:transition spd="slow">
         <p:fade/>
       </p:transition>
@@ -6968,15 +6973,6 @@
               <a:t>Political climate: “Chinese Virus”</a:t>
             </a:r>
           </a:p>
-          <a:p>
-            <a:r>
-              <a:rPr lang="en-US" sz="2400" dirty="0"/>
-              <a:t>White people made up more than 55 percent of the offenders across the board. </a:t>
-            </a:r>
-          </a:p>
-          <a:p>
-            <a:endParaRPr lang="en-US" dirty="0"/>
-          </a:p>
         </p:txBody>
       </p:sp>
       <p:pic>
@@ -7264,12 +7260,6 @@
           <a:p>
             <a:r>
               <a:rPr lang="en-US" sz="2400" dirty="0"/>
-              <a:t>Types of crimes in the weeks following 9/11: Mosques were burned, death threats and harassment</a:t>
-            </a:r>
-          </a:p>
-          <a:p>
-            <a:r>
-              <a:rPr lang="en-US" sz="2400" dirty="0"/>
               <a:t>Hate crimes against Muslims rose 1620%</a:t>
             </a:r>
           </a:p>
@@ -7452,8 +7442,8 @@
           </a:extLst>
         </p:spPr>
       </p:pic>
-      <mc:AlternateContent xmlns:mc="http://schemas.openxmlformats.org/markup-compatibility/2006">
-        <mc:Choice xmlns:p14="http://schemas.microsoft.com/office/powerpoint/2010/main" Requires="p14">
+      <mc:AlternateContent xmlns:mc="http://schemas.openxmlformats.org/markup-compatibility/2006" xmlns:p14="http://schemas.microsoft.com/office/powerpoint/2010/main">
+        <mc:Choice Requires="p14">
           <p:contentPart p14:bwMode="auto" r:id="rId4">
             <p14:nvContentPartPr>
               <p14:cNvPr id="5" name="Ink 4">
@@ -7472,7 +7462,7 @@
             </p14:xfrm>
           </p:contentPart>
         </mc:Choice>
-        <mc:Fallback>
+        <mc:Fallback xmlns="">
           <p:pic>
             <p:nvPicPr>
               <p:cNvPr id="5" name="Ink 4">
@@ -7503,8 +7493,8 @@
           </p:pic>
         </mc:Fallback>
       </mc:AlternateContent>
-      <mc:AlternateContent xmlns:mc="http://schemas.openxmlformats.org/markup-compatibility/2006">
-        <mc:Choice xmlns:p14="http://schemas.microsoft.com/office/powerpoint/2010/main" Requires="p14">
+      <mc:AlternateContent xmlns:mc="http://schemas.openxmlformats.org/markup-compatibility/2006" xmlns:p14="http://schemas.microsoft.com/office/powerpoint/2010/main">
+        <mc:Choice Requires="p14">
           <p:contentPart p14:bwMode="auto" r:id="rId6">
             <p14:nvContentPartPr>
               <p14:cNvPr id="7" name="Ink 6">
@@ -7523,7 +7513,7 @@
             </p14:xfrm>
           </p:contentPart>
         </mc:Choice>
-        <mc:Fallback>
+        <mc:Fallback xmlns="">
           <p:pic>
             <p:nvPicPr>
               <p:cNvPr id="7" name="Ink 6">
@@ -7574,8 +7564,8 @@
             <a:chExt cx="92880" cy="78120"/>
           </a:xfrm>
         </p:grpSpPr>
-        <mc:AlternateContent xmlns:mc="http://schemas.openxmlformats.org/markup-compatibility/2006">
-          <mc:Choice xmlns:p14="http://schemas.microsoft.com/office/powerpoint/2010/main" Requires="p14">
+        <mc:AlternateContent xmlns:mc="http://schemas.openxmlformats.org/markup-compatibility/2006" xmlns:p14="http://schemas.microsoft.com/office/powerpoint/2010/main">
+          <mc:Choice Requires="p14">
             <p:contentPart p14:bwMode="auto" r:id="rId8">
               <p14:nvContentPartPr>
                 <p14:cNvPr id="9" name="Ink 8">
@@ -7594,7 +7584,7 @@
               </p14:xfrm>
             </p:contentPart>
           </mc:Choice>
-          <mc:Fallback>
+          <mc:Fallback xmlns="">
             <p:pic>
               <p:nvPicPr>
                 <p:cNvPr id="9" name="Ink 8">
@@ -7625,8 +7615,8 @@
             </p:pic>
           </mc:Fallback>
         </mc:AlternateContent>
-        <mc:AlternateContent xmlns:mc="http://schemas.openxmlformats.org/markup-compatibility/2006">
-          <mc:Choice xmlns:p14="http://schemas.microsoft.com/office/powerpoint/2010/main" Requires="p14">
+        <mc:AlternateContent xmlns:mc="http://schemas.openxmlformats.org/markup-compatibility/2006" xmlns:p14="http://schemas.microsoft.com/office/powerpoint/2010/main">
+          <mc:Choice Requires="p14">
             <p:contentPart p14:bwMode="auto" r:id="rId10">
               <p14:nvContentPartPr>
                 <p14:cNvPr id="10" name="Ink 9">
@@ -7645,7 +7635,7 @@
               </p14:xfrm>
             </p:contentPart>
           </mc:Choice>
-          <mc:Fallback>
+          <mc:Fallback xmlns="">
             <p:pic>
               <p:nvPicPr>
                 <p:cNvPr id="10" name="Ink 9">
@@ -7676,8 +7666,8 @@
             </p:pic>
           </mc:Fallback>
         </mc:AlternateContent>
-        <mc:AlternateContent xmlns:mc="http://schemas.openxmlformats.org/markup-compatibility/2006">
-          <mc:Choice xmlns:p14="http://schemas.microsoft.com/office/powerpoint/2010/main" Requires="p14">
+        <mc:AlternateContent xmlns:mc="http://schemas.openxmlformats.org/markup-compatibility/2006" xmlns:p14="http://schemas.microsoft.com/office/powerpoint/2010/main">
+          <mc:Choice Requires="p14">
             <p:contentPart p14:bwMode="auto" r:id="rId11">
               <p14:nvContentPartPr>
                 <p14:cNvPr id="11" name="Ink 10">
@@ -7696,7 +7686,7 @@
               </p14:xfrm>
             </p:contentPart>
           </mc:Choice>
-          <mc:Fallback>
+          <mc:Fallback xmlns="">
             <p:pic>
               <p:nvPicPr>
                 <p:cNvPr id="11" name="Ink 10">
@@ -7727,8 +7717,8 @@
             </p:pic>
           </mc:Fallback>
         </mc:AlternateContent>
-        <mc:AlternateContent xmlns:mc="http://schemas.openxmlformats.org/markup-compatibility/2006">
-          <mc:Choice xmlns:p14="http://schemas.microsoft.com/office/powerpoint/2010/main" Requires="p14">
+        <mc:AlternateContent xmlns:mc="http://schemas.openxmlformats.org/markup-compatibility/2006" xmlns:p14="http://schemas.microsoft.com/office/powerpoint/2010/main">
+          <mc:Choice Requires="p14">
             <p:contentPart p14:bwMode="auto" r:id="rId12">
               <p14:nvContentPartPr>
                 <p14:cNvPr id="12" name="Ink 11">
@@ -7747,7 +7737,7 @@
               </p14:xfrm>
             </p:contentPart>
           </mc:Choice>
-          <mc:Fallback>
+          <mc:Fallback xmlns="">
             <p:pic>
               <p:nvPicPr>
                 <p:cNvPr id="12" name="Ink 11">
@@ -7778,8 +7768,8 @@
             </p:pic>
           </mc:Fallback>
         </mc:AlternateContent>
-        <mc:AlternateContent xmlns:mc="http://schemas.openxmlformats.org/markup-compatibility/2006">
-          <mc:Choice xmlns:p14="http://schemas.microsoft.com/office/powerpoint/2010/main" Requires="p14">
+        <mc:AlternateContent xmlns:mc="http://schemas.openxmlformats.org/markup-compatibility/2006" xmlns:p14="http://schemas.microsoft.com/office/powerpoint/2010/main">
+          <mc:Choice Requires="p14">
             <p:contentPart p14:bwMode="auto" r:id="rId13">
               <p14:nvContentPartPr>
                 <p14:cNvPr id="14" name="Ink 13">
@@ -7798,7 +7788,7 @@
               </p14:xfrm>
             </p:contentPart>
           </mc:Choice>
-          <mc:Fallback>
+          <mc:Fallback xmlns="">
             <p:pic>
               <p:nvPicPr>
                 <p:cNvPr id="14" name="Ink 13">
@@ -7830,8 +7820,8 @@
           </mc:Fallback>
         </mc:AlternateContent>
       </p:grpSp>
-      <mc:AlternateContent xmlns:mc="http://schemas.openxmlformats.org/markup-compatibility/2006">
-        <mc:Choice xmlns:p14="http://schemas.microsoft.com/office/powerpoint/2010/main" Requires="p14">
+      <mc:AlternateContent xmlns:mc="http://schemas.openxmlformats.org/markup-compatibility/2006" xmlns:p14="http://schemas.microsoft.com/office/powerpoint/2010/main">
+        <mc:Choice Requires="p14">
           <p:contentPart p14:bwMode="auto" r:id="rId15">
             <p14:nvContentPartPr>
               <p14:cNvPr id="16" name="Ink 15">
@@ -7850,7 +7840,7 @@
             </p14:xfrm>
           </p:contentPart>
         </mc:Choice>
-        <mc:Fallback>
+        <mc:Fallback xmlns="">
           <p:pic>
             <p:nvPicPr>
               <p:cNvPr id="16" name="Ink 15">
@@ -7881,8 +7871,8 @@
           </p:pic>
         </mc:Fallback>
       </mc:AlternateContent>
-      <mc:AlternateContent xmlns:mc="http://schemas.openxmlformats.org/markup-compatibility/2006">
-        <mc:Choice xmlns:p14="http://schemas.microsoft.com/office/powerpoint/2010/main" Requires="p14">
+      <mc:AlternateContent xmlns:mc="http://schemas.openxmlformats.org/markup-compatibility/2006" xmlns:p14="http://schemas.microsoft.com/office/powerpoint/2010/main">
+        <mc:Choice Requires="p14">
           <p:contentPart p14:bwMode="auto" r:id="rId17">
             <p14:nvContentPartPr>
               <p14:cNvPr id="18" name="Ink 17">
@@ -7901,7 +7891,7 @@
             </p14:xfrm>
           </p:contentPart>
         </mc:Choice>
-        <mc:Fallback>
+        <mc:Fallback xmlns="">
           <p:pic>
             <p:nvPicPr>
               <p:cNvPr id="18" name="Ink 17">
@@ -7932,8 +7922,8 @@
           </p:pic>
         </mc:Fallback>
       </mc:AlternateContent>
-      <mc:AlternateContent xmlns:mc="http://schemas.openxmlformats.org/markup-compatibility/2006">
-        <mc:Choice xmlns:p14="http://schemas.microsoft.com/office/powerpoint/2010/main" Requires="p14">
+      <mc:AlternateContent xmlns:mc="http://schemas.openxmlformats.org/markup-compatibility/2006" xmlns:p14="http://schemas.microsoft.com/office/powerpoint/2010/main">
+        <mc:Choice Requires="p14">
           <p:contentPart p14:bwMode="auto" r:id="rId19">
             <p14:nvContentPartPr>
               <p14:cNvPr id="19" name="Ink 18">
@@ -7952,7 +7942,7 @@
             </p14:xfrm>
           </p:contentPart>
         </mc:Choice>
-        <mc:Fallback>
+        <mc:Fallback xmlns="">
           <p:pic>
             <p:nvPicPr>
               <p:cNvPr id="19" name="Ink 18">
@@ -7983,8 +7973,8 @@
           </p:pic>
         </mc:Fallback>
       </mc:AlternateContent>
-      <mc:AlternateContent xmlns:mc="http://schemas.openxmlformats.org/markup-compatibility/2006">
-        <mc:Choice xmlns:p14="http://schemas.microsoft.com/office/powerpoint/2010/main" Requires="p14">
+      <mc:AlternateContent xmlns:mc="http://schemas.openxmlformats.org/markup-compatibility/2006" xmlns:p14="http://schemas.microsoft.com/office/powerpoint/2010/main">
+        <mc:Choice Requires="p14">
           <p:contentPart p14:bwMode="auto" r:id="rId21">
             <p14:nvContentPartPr>
               <p14:cNvPr id="20" name="Ink 19">
@@ -8003,7 +7993,7 @@
             </p14:xfrm>
           </p:contentPart>
         </mc:Choice>
-        <mc:Fallback>
+        <mc:Fallback xmlns="">
           <p:pic>
             <p:nvPicPr>
               <p:cNvPr id="20" name="Ink 19">
@@ -8034,8 +8024,8 @@
           </p:pic>
         </mc:Fallback>
       </mc:AlternateContent>
-      <mc:AlternateContent xmlns:mc="http://schemas.openxmlformats.org/markup-compatibility/2006">
-        <mc:Choice xmlns:p14="http://schemas.microsoft.com/office/powerpoint/2010/main" Requires="p14">
+      <mc:AlternateContent xmlns:mc="http://schemas.openxmlformats.org/markup-compatibility/2006" xmlns:p14="http://schemas.microsoft.com/office/powerpoint/2010/main">
+        <mc:Choice Requires="p14">
           <p:contentPart p14:bwMode="auto" r:id="rId23">
             <p14:nvContentPartPr>
               <p14:cNvPr id="21" name="Ink 20">
@@ -8054,7 +8044,7 @@
             </p14:xfrm>
           </p:contentPart>
         </mc:Choice>
-        <mc:Fallback>
+        <mc:Fallback xmlns="">
           <p:pic>
             <p:nvPicPr>
               <p:cNvPr id="21" name="Ink 20">
@@ -8129,8 +8119,8 @@
           </a:fontRef>
         </p:style>
       </p:cxnSp>
-      <mc:AlternateContent xmlns:mc="http://schemas.openxmlformats.org/markup-compatibility/2006">
-        <mc:Choice xmlns:p14="http://schemas.microsoft.com/office/powerpoint/2010/main" Requires="p14">
+      <mc:AlternateContent xmlns:mc="http://schemas.openxmlformats.org/markup-compatibility/2006" xmlns:p14="http://schemas.microsoft.com/office/powerpoint/2010/main">
+        <mc:Choice Requires="p14">
           <p:contentPart p14:bwMode="auto" r:id="rId25">
             <p14:nvContentPartPr>
               <p14:cNvPr id="26" name="Ink 25">
@@ -8149,7 +8139,7 @@
             </p14:xfrm>
           </p:contentPart>
         </mc:Choice>
-        <mc:Fallback>
+        <mc:Fallback xmlns="">
           <p:pic>
             <p:nvPicPr>
               <p:cNvPr id="26" name="Ink 25">
@@ -8404,33 +8394,20 @@
         <p:spPr/>
         <p:txBody>
           <a:bodyPr>
-            <a:normAutofit fontScale="92500" lnSpcReduction="10000"/>
+            <a:normAutofit/>
           </a:bodyPr>
           <a:lstStyle/>
           <a:p>
             <a:r>
               <a:rPr lang="en-US" sz="2400" dirty="0"/>
-              <a:t> 56% of race-based hate crimes being motivated by anti-Black bias.</a:t>
-            </a:r>
-          </a:p>
-          <a:p>
+              <a:t> Overall increase between: 2014-2020</a:t>
+            </a:r>
+          </a:p>
+          <a:p>
+            <a:pPr lvl="1"/>
             <a:r>
               <a:rPr lang="en-US" sz="2400" dirty="0"/>
-              <a:t>Overall increase between: 2014-2020</a:t>
-            </a:r>
-          </a:p>
-          <a:p>
-            <a:pPr lvl="1"/>
-            <a:r>
-              <a:rPr lang="en-US" sz="2400" dirty="0"/>
-              <a:t>Trump’s campaign and  presidency: 2015-2016 &amp; 2017-2020</a:t>
-            </a:r>
-          </a:p>
-          <a:p>
-            <a:pPr lvl="1"/>
-            <a:r>
-              <a:rPr lang="en-US" sz="2400" dirty="0"/>
-              <a:t>May have encouraged people to express their intolerance towards black Americans. </a:t>
+              <a:t>Political Climate (2015-2016 &amp; 2017-2020) was such that it may have encouraged people to express their intolerance towards black Americans. </a:t>
             </a:r>
           </a:p>
           <a:p>
